--- a/content/07-lecture-workstations-clients-and-devices.pptx
+++ b/content/07-lecture-workstations-clients-and-devices.pptx
@@ -2,35 +2,35 @@
 <file path=ppt/presentation.xml><?xml version="1.0" encoding="utf-8"?>
 <p:presentation xmlns:a="http://schemas.openxmlformats.org/drawingml/2006/main" xmlns:r="http://schemas.openxmlformats.org/officeDocument/2006/relationships" xmlns:p="http://schemas.openxmlformats.org/presentationml/2006/main" showSpecialPlsOnTitleSld="0" saveSubsetFonts="1">
   <p:sldMasterIdLst>
-    <p:sldMasterId id="2147484224" r:id="rId1"/>
+    <p:sldMasterId id="2147484224" r:id="rId5"/>
   </p:sldMasterIdLst>
   <p:notesMasterIdLst>
-    <p:notesMasterId r:id="rId25"/>
+    <p:notesMasterId r:id="rId29"/>
   </p:notesMasterIdLst>
   <p:sldIdLst>
-    <p:sldId id="256" r:id="rId2"/>
-    <p:sldId id="260" r:id="rId3"/>
-    <p:sldId id="261" r:id="rId4"/>
-    <p:sldId id="262" r:id="rId5"/>
-    <p:sldId id="263" r:id="rId6"/>
-    <p:sldId id="264" r:id="rId7"/>
-    <p:sldId id="265" r:id="rId8"/>
-    <p:sldId id="266" r:id="rId9"/>
-    <p:sldId id="267" r:id="rId10"/>
-    <p:sldId id="268" r:id="rId11"/>
-    <p:sldId id="269" r:id="rId12"/>
-    <p:sldId id="270" r:id="rId13"/>
-    <p:sldId id="271" r:id="rId14"/>
-    <p:sldId id="272" r:id="rId15"/>
-    <p:sldId id="273" r:id="rId16"/>
-    <p:sldId id="274" r:id="rId17"/>
-    <p:sldId id="275" r:id="rId18"/>
-    <p:sldId id="276" r:id="rId19"/>
-    <p:sldId id="277" r:id="rId20"/>
-    <p:sldId id="278" r:id="rId21"/>
-    <p:sldId id="279" r:id="rId22"/>
-    <p:sldId id="280" r:id="rId23"/>
-    <p:sldId id="281" r:id="rId24"/>
+    <p:sldId id="256" r:id="rId6"/>
+    <p:sldId id="260" r:id="rId7"/>
+    <p:sldId id="261" r:id="rId8"/>
+    <p:sldId id="262" r:id="rId9"/>
+    <p:sldId id="263" r:id="rId10"/>
+    <p:sldId id="264" r:id="rId11"/>
+    <p:sldId id="265" r:id="rId12"/>
+    <p:sldId id="266" r:id="rId13"/>
+    <p:sldId id="267" r:id="rId14"/>
+    <p:sldId id="268" r:id="rId15"/>
+    <p:sldId id="269" r:id="rId16"/>
+    <p:sldId id="270" r:id="rId17"/>
+    <p:sldId id="271" r:id="rId18"/>
+    <p:sldId id="272" r:id="rId19"/>
+    <p:sldId id="273" r:id="rId20"/>
+    <p:sldId id="274" r:id="rId21"/>
+    <p:sldId id="275" r:id="rId22"/>
+    <p:sldId id="276" r:id="rId23"/>
+    <p:sldId id="277" r:id="rId24"/>
+    <p:sldId id="278" r:id="rId25"/>
+    <p:sldId id="279" r:id="rId26"/>
+    <p:sldId id="280" r:id="rId27"/>
+    <p:sldId id="281" r:id="rId28"/>
   </p:sldIdLst>
   <p:sldSz cx="9144000" cy="6858000" type="screen4x3"/>
   <p:notesSz cx="6858000" cy="9144000"/>
@@ -2841,7 +2841,7 @@
             <a:fld id="{9BCACACC-4968-4604-9473-70BE5EF6D4C2}" type="datetimeFigureOut">
               <a:rPr lang="en-US" smtClean="0"/>
               <a:pPr/>
-              <a:t>1/13/2013</a:t>
+              <a:t>8/29/2018</a:t>
             </a:fld>
             <a:endParaRPr lang="en-US"/>
           </a:p>
@@ -4762,7 +4762,7 @@
           <a:p>
             <a:fld id="{1350F6C4-A6B1-4C92-AF37-7A1D4C30522B}" type="datetime1">
               <a:rPr lang="en-US" smtClean="0"/>
-              <a:t>1/13/2013</a:t>
+              <a:t>8/29/2018</a:t>
             </a:fld>
             <a:endParaRPr lang="en-US"/>
           </a:p>
@@ -4975,7 +4975,7 @@
           <a:p>
             <a:fld id="{C94621D5-9F96-42EF-996B-E972926B18D7}" type="datetime1">
               <a:rPr lang="en-US" smtClean="0"/>
-              <a:t>1/13/2013</a:t>
+              <a:t>8/29/2018</a:t>
             </a:fld>
             <a:endParaRPr lang="en-US"/>
           </a:p>
@@ -5156,7 +5156,7 @@
           <a:p>
             <a:fld id="{A4A40C1A-B929-4358-A302-A3EE05D7D0B6}" type="datetime1">
               <a:rPr lang="en-US" smtClean="0"/>
-              <a:t>1/13/2013</a:t>
+              <a:t>8/29/2018</a:t>
             </a:fld>
             <a:endParaRPr lang="en-US"/>
           </a:p>
@@ -5303,7 +5303,7 @@
           <a:p>
             <a:fld id="{66F853C0-A2E3-4C9A-88A6-416D1F543E4A}" type="datetime1">
               <a:rPr lang="en-US" smtClean="0"/>
-              <a:t>1/13/2013</a:t>
+              <a:t>8/29/2018</a:t>
             </a:fld>
             <a:endParaRPr lang="en-US" dirty="0"/>
           </a:p>
@@ -5593,7 +5593,7 @@
           <a:p>
             <a:fld id="{38B1994F-F323-419F-859B-158E6FA0DEF3}" type="datetime1">
               <a:rPr lang="en-US" smtClean="0"/>
-              <a:t>1/13/2013</a:t>
+              <a:t>8/29/2018</a:t>
             </a:fld>
             <a:endParaRPr lang="en-US"/>
           </a:p>
@@ -5924,7 +5924,7 @@
           <a:p>
             <a:fld id="{2ED7A3AF-B4AF-45AC-B4CB-E757DA534E58}" type="datetime1">
               <a:rPr lang="en-US" smtClean="0"/>
-              <a:t>1/13/2013</a:t>
+              <a:t>8/29/2018</a:t>
             </a:fld>
             <a:endParaRPr lang="en-US" dirty="0"/>
           </a:p>
@@ -6406,7 +6406,7 @@
           <a:p>
             <a:fld id="{4CDF7338-707A-40CC-AC95-62662CDD5AF2}" type="datetime1">
               <a:rPr lang="en-US" smtClean="0"/>
-              <a:t>1/13/2013</a:t>
+              <a:t>8/29/2018</a:t>
             </a:fld>
             <a:endParaRPr lang="en-US"/>
           </a:p>
@@ -6560,7 +6560,7 @@
           <a:p>
             <a:fld id="{A58D192C-D2C6-47F2-A3D5-285D66EC91FB}" type="datetime1">
               <a:rPr lang="en-US" smtClean="0"/>
-              <a:t>1/13/2013</a:t>
+              <a:t>8/29/2018</a:t>
             </a:fld>
             <a:endParaRPr lang="en-US"/>
           </a:p>
@@ -6656,7 +6656,7 @@
           <a:p>
             <a:fld id="{3F7DCCF0-A390-4D93-A585-F4EAD086767E}" type="datetime1">
               <a:rPr lang="en-US" smtClean="0"/>
-              <a:t>1/13/2013</a:t>
+              <a:t>8/29/2018</a:t>
             </a:fld>
             <a:endParaRPr lang="en-US"/>
           </a:p>
@@ -6935,7 +6935,7 @@
           <a:p>
             <a:fld id="{48851C4F-DF8B-45DF-8928-FB60A14AE609}" type="datetime1">
               <a:rPr lang="en-US" smtClean="0"/>
-              <a:t>1/13/2013</a:t>
+              <a:t>8/29/2018</a:t>
             </a:fld>
             <a:endParaRPr lang="en-US"/>
           </a:p>
@@ -7245,7 +7245,7 @@
           <a:p>
             <a:fld id="{A9E338D3-5088-40F9-AF49-2299B3217A05}" type="datetime1">
               <a:rPr lang="en-US" smtClean="0"/>
-              <a:t>1/13/2013</a:t>
+              <a:t>8/29/2018</a:t>
             </a:fld>
             <a:endParaRPr lang="en-US"/>
           </a:p>
@@ -7548,7 +7548,7 @@
           <a:p>
             <a:fld id="{B8691661-299A-499D-A240-D049171A4BB8}" type="datetime1">
               <a:rPr lang="en-US" smtClean="0"/>
-              <a:t>1/13/2013</a:t>
+              <a:t>8/29/2018</a:t>
             </a:fld>
             <a:endParaRPr lang="en-US" dirty="0"/>
           </a:p>
@@ -8028,7 +8028,7 @@
           <a:p>
             <a:fld id="{C74EB03A-FD57-4EF0-A89E-9B1994AC884B}" type="datetime1">
               <a:rPr lang="en-US" smtClean="0"/>
-              <a:t>1/13/2013</a:t>
+              <a:t>8/29/2018</a:t>
             </a:fld>
             <a:endParaRPr lang="en-US" dirty="0"/>
           </a:p>
@@ -8128,7 +8128,7 @@
         </p:blipFill>
         <p:spPr bwMode="auto">
           <a:xfrm>
-            <a:off x="4267200" y="883952"/>
+            <a:off x="4267200" y="914400"/>
             <a:ext cx="4419600" cy="5800725"/>
           </a:xfrm>
           <a:prstGeom prst="rect">
@@ -8257,7 +8257,7 @@
           <a:p>
             <a:fld id="{125C3991-41A2-4DA5-A4F3-2869D3CF619F}" type="datetime1">
               <a:rPr lang="en-US" smtClean="0"/>
-              <a:t>1/13/2013</a:t>
+              <a:t>8/29/2018</a:t>
             </a:fld>
             <a:endParaRPr lang="en-US" dirty="0"/>
           </a:p>
@@ -8457,7 +8457,7 @@
           <a:p>
             <a:fld id="{672FCA30-28EA-4C76-A0CF-1155BA3E0635}" type="datetime1">
               <a:rPr lang="en-US" smtClean="0"/>
-              <a:t>1/13/2013</a:t>
+              <a:t>8/29/2018</a:t>
             </a:fld>
             <a:endParaRPr lang="en-US"/>
           </a:p>
@@ -8691,7 +8691,7 @@
           <a:p>
             <a:fld id="{91DB1ED5-5B51-4675-99DF-8C89F37201D5}" type="datetime1">
               <a:rPr lang="en-US" smtClean="0"/>
-              <a:t>1/13/2013</a:t>
+              <a:t>8/29/2018</a:t>
             </a:fld>
             <a:endParaRPr lang="en-US" dirty="0"/>
           </a:p>
@@ -8928,7 +8928,7 @@
           <a:p>
             <a:fld id="{50E7FD5F-10BC-4201-A398-8B7DA55D35EA}" type="datetime1">
               <a:rPr lang="en-US" smtClean="0"/>
-              <a:t>1/13/2013</a:t>
+              <a:t>8/29/2018</a:t>
             </a:fld>
             <a:endParaRPr lang="en-US" dirty="0"/>
           </a:p>
@@ -9157,7 +9157,7 @@
           <a:p>
             <a:fld id="{390B13EA-E140-4270-842B-D1B5BBB7F329}" type="datetime1">
               <a:rPr lang="en-US" smtClean="0"/>
-              <a:t>1/13/2013</a:t>
+              <a:t>8/29/2018</a:t>
             </a:fld>
             <a:endParaRPr lang="en-US" dirty="0"/>
           </a:p>
@@ -9348,7 +9348,7 @@
           <a:p>
             <a:fld id="{36802B36-0EEC-4D94-B53C-8916950CC671}" type="datetime1">
               <a:rPr lang="en-US" smtClean="0"/>
-              <a:t>1/13/2013</a:t>
+              <a:t>8/29/2018</a:t>
             </a:fld>
             <a:endParaRPr lang="en-US" dirty="0"/>
           </a:p>
@@ -9543,7 +9543,7 @@
           <a:p>
             <a:fld id="{6E151319-206F-46B2-B7CC-A78FC30D3331}" type="datetime1">
               <a:rPr lang="en-US" smtClean="0"/>
-              <a:t>1/13/2013</a:t>
+              <a:t>8/29/2018</a:t>
             </a:fld>
             <a:endParaRPr lang="en-US" dirty="0"/>
           </a:p>
@@ -9831,7 +9831,7 @@
           <a:p>
             <a:fld id="{2AAC62BD-A5CC-4110-925D-F309D8CCB53B}" type="datetime1">
               <a:rPr lang="en-US" smtClean="0"/>
-              <a:t>1/13/2013</a:t>
+              <a:t>8/29/2018</a:t>
             </a:fld>
             <a:endParaRPr lang="en-US" dirty="0"/>
           </a:p>
@@ -10041,7 +10041,7 @@
           <a:p>
             <a:fld id="{CA4E94BE-791A-4133-AFCD-38E4CA8F0CAE}" type="datetime1">
               <a:rPr lang="en-US" smtClean="0"/>
-              <a:t>1/13/2013</a:t>
+              <a:t>8/29/2018</a:t>
             </a:fld>
             <a:endParaRPr lang="en-US" dirty="0"/>
           </a:p>
@@ -10244,7 +10244,7 @@
           <a:p>
             <a:fld id="{0EFFB7C7-A104-421C-A23A-7A2E0564627B}" type="datetime1">
               <a:rPr lang="en-US" smtClean="0"/>
-              <a:t>1/13/2013</a:t>
+              <a:t>8/29/2018</a:t>
             </a:fld>
             <a:endParaRPr lang="en-US" dirty="0"/>
           </a:p>
@@ -10411,7 +10411,7 @@
           <a:p>
             <a:fld id="{0F898F64-0817-4F4F-9358-EBD8757FFD6C}" type="datetime1">
               <a:rPr lang="en-US" smtClean="0"/>
-              <a:t>1/13/2013</a:t>
+              <a:t>8/29/2018</a:t>
             </a:fld>
             <a:endParaRPr lang="en-US" dirty="0"/>
           </a:p>
@@ -10633,7 +10633,7 @@
           <a:p>
             <a:fld id="{8086A67F-B308-4093-B9D2-C5416085C6C8}" type="datetime1">
               <a:rPr lang="en-US" smtClean="0"/>
-              <a:t>1/13/2013</a:t>
+              <a:t>8/29/2018</a:t>
             </a:fld>
             <a:endParaRPr lang="en-US" dirty="0"/>
           </a:p>
@@ -10829,7 +10829,7 @@
           <a:p>
             <a:fld id="{C55DACCE-13BC-4C9C-84EA-1D94EC4F99EC}" type="datetime1">
               <a:rPr lang="en-US" smtClean="0"/>
-              <a:t>1/13/2013</a:t>
+              <a:t>8/29/2018</a:t>
             </a:fld>
             <a:endParaRPr lang="en-US" dirty="0"/>
           </a:p>
@@ -11064,7 +11064,7 @@
           <a:p>
             <a:fld id="{A440A894-3E18-4B42-B59F-7D1A633BE579}" type="datetime1">
               <a:rPr lang="en-US" smtClean="0"/>
-              <a:t>1/13/2013</a:t>
+              <a:t>8/29/2018</a:t>
             </a:fld>
             <a:endParaRPr lang="en-US" dirty="0"/>
           </a:p>
@@ -11212,7 +11212,7 @@
           <a:p>
             <a:fld id="{30EB7A43-D273-4761-AB24-3F29A29F8EDE}" type="datetime1">
               <a:rPr lang="en-US" smtClean="0"/>
-              <a:t>1/13/2013</a:t>
+              <a:t>8/29/2018</a:t>
             </a:fld>
             <a:endParaRPr lang="en-US"/>
           </a:p>
@@ -11490,7 +11490,7 @@
           <a:p>
             <a:fld id="{1CB56E21-D7B3-4693-BBE4-A232606D1C28}" type="datetime1">
               <a:rPr lang="en-US" smtClean="0"/>
-              <a:t>1/13/2013</a:t>
+              <a:t>8/29/2018</a:t>
             </a:fld>
             <a:endParaRPr lang="en-US"/>
           </a:p>
@@ -11674,7 +11674,7 @@
           <a:p>
             <a:fld id="{7074D018-FD99-4C09-97A4-7D1F220D9787}" type="datetime1">
               <a:rPr lang="en-US" smtClean="0"/>
-              <a:t>1/13/2013</a:t>
+              <a:t>8/29/2018</a:t>
             </a:fld>
             <a:endParaRPr lang="en-US" dirty="0"/>
           </a:p>
@@ -11800,7 +11800,7 @@
           <a:p>
             <a:fld id="{3B7E22DE-CFB9-4AE9-80D8-C31C17FC332A}" type="datetime1">
               <a:rPr lang="en-US" smtClean="0"/>
-              <a:t>1/13/2013</a:t>
+              <a:t>8/29/2018</a:t>
             </a:fld>
             <a:endParaRPr lang="en-US" dirty="0"/>
           </a:p>
@@ -12074,7 +12074,7 @@
           <a:p>
             <a:fld id="{A9DA5874-11E3-4F02-8CEE-E74F6B8B5B48}" type="datetime1">
               <a:rPr lang="en-US" smtClean="0"/>
-              <a:t>1/13/2013</a:t>
+              <a:t>8/29/2018</a:t>
             </a:fld>
             <a:endParaRPr lang="en-US" dirty="0"/>
           </a:p>
@@ -12339,7 +12339,7 @@
           <a:p>
             <a:fld id="{C212C382-A218-42F5-8403-6A5EBF8B906C}" type="datetime1">
               <a:rPr lang="en-US" smtClean="0"/>
-              <a:t>1/13/2013</a:t>
+              <a:t>8/29/2018</a:t>
             </a:fld>
             <a:endParaRPr lang="en-US" dirty="0"/>
           </a:p>
@@ -12453,11 +12453,7 @@
           <a:p>
             <a:r>
               <a:rPr lang="en-US" dirty="0" smtClean="0"/>
-              <a:t>IT Economics: Workstation Lifecycle </a:t>
-            </a:r>
-            <a:r>
-              <a:rPr lang="en-US" dirty="0" smtClean="0"/>
-              <a:t>Management</a:t>
+              <a:t>IT Economics: Workstation Lifecycle Management</a:t>
             </a:r>
             <a:endParaRPr lang="en-US" dirty="0"/>
           </a:p>
@@ -12559,7 +12555,7 @@
           <a:p>
             <a:fld id="{78C92BD7-E529-4631-A656-2244C196DB03}" type="datetime1">
               <a:rPr lang="en-US" smtClean="0"/>
-              <a:t>1/13/2013</a:t>
+              <a:t>8/29/2018</a:t>
             </a:fld>
             <a:endParaRPr lang="en-US" dirty="0"/>
           </a:p>
@@ -13455,7 +13451,7 @@
           <a:p>
             <a:fld id="{8916A31D-DFCB-4B46-8D08-EC2ABB0BDE11}" type="datetime1">
               <a:rPr lang="en-US" smtClean="0"/>
-              <a:t>1/13/2013</a:t>
+              <a:t>8/29/2018</a:t>
             </a:fld>
             <a:endParaRPr lang="en-US"/>
           </a:p>
@@ -14107,52 +14103,11 @@
 
 <file path=customXml/item1.xml><?xml version="1.0" encoding="utf-8"?>
 <?mso-contentType ?>
-<spe:Receivers xmlns:spe="http://schemas.microsoft.com/sharepoint/events">
-  <Receiver>
-    <Name>Document ID Generator</Name>
-    <Synchronization>Synchronous</Synchronization>
-    <Type>10001</Type>
-    <SequenceNumber>1000</SequenceNumber>
-    <Url/>
-    <Assembly>Microsoft.Office.DocumentManagement, Version=15.0.0.0, Culture=neutral, PublicKeyToken=71e9bce111e9429c</Assembly>
-    <Class>Microsoft.Office.DocumentManagement.Internal.DocIdHandler</Class>
-    <Data/>
-    <Filter/>
-  </Receiver>
-  <Receiver>
-    <Name>Document ID Generator</Name>
-    <Synchronization>Synchronous</Synchronization>
-    <Type>10002</Type>
-    <SequenceNumber>1001</SequenceNumber>
-    <Url/>
-    <Assembly>Microsoft.Office.DocumentManagement, Version=15.0.0.0, Culture=neutral, PublicKeyToken=71e9bce111e9429c</Assembly>
-    <Class>Microsoft.Office.DocumentManagement.Internal.DocIdHandler</Class>
-    <Data/>
-    <Filter/>
-  </Receiver>
-  <Receiver>
-    <Name>Document ID Generator</Name>
-    <Synchronization>Synchronous</Synchronization>
-    <Type>10004</Type>
-    <SequenceNumber>1002</SequenceNumber>
-    <Url/>
-    <Assembly>Microsoft.Office.DocumentManagement, Version=15.0.0.0, Culture=neutral, PublicKeyToken=71e9bce111e9429c</Assembly>
-    <Class>Microsoft.Office.DocumentManagement.Internal.DocIdHandler</Class>
-    <Data/>
-    <Filter/>
-  </Receiver>
-  <Receiver>
-    <Name>Document ID Generator</Name>
-    <Synchronization>Synchronous</Synchronization>
-    <Type>10006</Type>
-    <SequenceNumber>1003</SequenceNumber>
-    <Url/>
-    <Assembly>Microsoft.Office.DocumentManagement, Version=15.0.0.0, Culture=neutral, PublicKeyToken=71e9bce111e9429c</Assembly>
-    <Class>Microsoft.Office.DocumentManagement.Internal.DocIdHandler</Class>
-    <Data/>
-    <Filter/>
-  </Receiver>
-</spe:Receivers>
+<FormTemplates xmlns="http://schemas.microsoft.com/sharepoint/v3/contenttype/forms">
+  <Display>DocumentLibraryForm</Display>
+  <Edit>DocumentLibraryForm</Edit>
+  <New>DocumentLibraryForm</New>
+</FormTemplates>
 </file>
 
 <file path=customXml/item2.xml><?xml version="1.0" encoding="utf-8"?>
@@ -14302,11 +14257,52 @@
 
 <file path=customXml/item3.xml><?xml version="1.0" encoding="utf-8"?>
 <?mso-contentType ?>
-<FormTemplates xmlns="http://schemas.microsoft.com/sharepoint/v3/contenttype/forms">
-  <Display>DocumentLibraryForm</Display>
-  <Edit>DocumentLibraryForm</Edit>
-  <New>DocumentLibraryForm</New>
-</FormTemplates>
+<spe:Receivers xmlns:spe="http://schemas.microsoft.com/sharepoint/events">
+  <Receiver>
+    <Name>Document ID Generator</Name>
+    <Synchronization>Synchronous</Synchronization>
+    <Type>10001</Type>
+    <SequenceNumber>1000</SequenceNumber>
+    <Url/>
+    <Assembly>Microsoft.Office.DocumentManagement, Version=15.0.0.0, Culture=neutral, PublicKeyToken=71e9bce111e9429c</Assembly>
+    <Class>Microsoft.Office.DocumentManagement.Internal.DocIdHandler</Class>
+    <Data/>
+    <Filter/>
+  </Receiver>
+  <Receiver>
+    <Name>Document ID Generator</Name>
+    <Synchronization>Synchronous</Synchronization>
+    <Type>10002</Type>
+    <SequenceNumber>1001</SequenceNumber>
+    <Url/>
+    <Assembly>Microsoft.Office.DocumentManagement, Version=15.0.0.0, Culture=neutral, PublicKeyToken=71e9bce111e9429c</Assembly>
+    <Class>Microsoft.Office.DocumentManagement.Internal.DocIdHandler</Class>
+    <Data/>
+    <Filter/>
+  </Receiver>
+  <Receiver>
+    <Name>Document ID Generator</Name>
+    <Synchronization>Synchronous</Synchronization>
+    <Type>10004</Type>
+    <SequenceNumber>1002</SequenceNumber>
+    <Url/>
+    <Assembly>Microsoft.Office.DocumentManagement, Version=15.0.0.0, Culture=neutral, PublicKeyToken=71e9bce111e9429c</Assembly>
+    <Class>Microsoft.Office.DocumentManagement.Internal.DocIdHandler</Class>
+    <Data/>
+    <Filter/>
+  </Receiver>
+  <Receiver>
+    <Name>Document ID Generator</Name>
+    <Synchronization>Synchronous</Synchronization>
+    <Type>10006</Type>
+    <SequenceNumber>1003</SequenceNumber>
+    <Url/>
+    <Assembly>Microsoft.Office.DocumentManagement, Version=15.0.0.0, Culture=neutral, PublicKeyToken=71e9bce111e9429c</Assembly>
+    <Class>Microsoft.Office.DocumentManagement.Internal.DocIdHandler</Class>
+    <Data/>
+    <Filter/>
+  </Receiver>
+</spe:Receivers>
 </file>
 
 <file path=customXml/item4.xml><?xml version="1.0" encoding="utf-8"?>
@@ -14322,17 +14318,51 @@
 </file>
 
 <file path=customXml/itemProps1.xml><?xml version="1.0" encoding="utf-8"?>
-<ds:datastoreItem xmlns:ds="http://schemas.openxmlformats.org/officeDocument/2006/customXml" ds:itemID="{D6A3A8EC-A820-4F5A-85DA-02F99B6E8367}"/>
+<ds:datastoreItem xmlns:ds="http://schemas.openxmlformats.org/officeDocument/2006/customXml" ds:itemID="{CEAB7C31-745B-47ED-9057-0F33F5F3975B}">
+  <ds:schemaRefs>
+    <ds:schemaRef ds:uri="http://schemas.microsoft.com/sharepoint/v3/contenttype/forms"/>
+  </ds:schemaRefs>
+</ds:datastoreItem>
 </file>
 
 <file path=customXml/itemProps2.xml><?xml version="1.0" encoding="utf-8"?>
-<ds:datastoreItem xmlns:ds="http://schemas.openxmlformats.org/officeDocument/2006/customXml" ds:itemID="{45341624-B5C0-4077-8685-B85D496A9B34}"/>
+<ds:datastoreItem xmlns:ds="http://schemas.openxmlformats.org/officeDocument/2006/customXml" ds:itemID="{45341624-B5C0-4077-8685-B85D496A9B34}">
+  <ds:schemaRefs>
+    <ds:schemaRef ds:uri="http://schemas.microsoft.com/office/2006/metadata/contentType"/>
+    <ds:schemaRef ds:uri="http://schemas.microsoft.com/office/2006/metadata/properties/metaAttributes"/>
+    <ds:schemaRef ds:uri="http://www.w3.org/2001/XMLSchema"/>
+    <ds:schemaRef ds:uri="http://schemas.microsoft.com/office/2006/metadata/properties"/>
+    <ds:schemaRef ds:uri="bcb7aec3-7c55-4f53-b860-67c1306cd9a6"/>
+    <ds:schemaRef ds:uri="http://schemas.microsoft.com/office/2006/documentManagement/types"/>
+    <ds:schemaRef ds:uri="http://schemas.microsoft.com/office/infopath/2007/PartnerControls"/>
+    <ds:schemaRef ds:uri="http://schemas.openxmlformats.org/package/2006/metadata/core-properties"/>
+    <ds:schemaRef ds:uri="http://purl.org/dc/elements/1.1/"/>
+    <ds:schemaRef ds:uri="http://purl.org/dc/terms/"/>
+    <ds:schemaRef ds:uri="http://schemas.microsoft.com/internal/obd"/>
+  </ds:schemaRefs>
+</ds:datastoreItem>
 </file>
 
 <file path=customXml/itemProps3.xml><?xml version="1.0" encoding="utf-8"?>
-<ds:datastoreItem xmlns:ds="http://schemas.openxmlformats.org/officeDocument/2006/customXml" ds:itemID="{CEAB7C31-745B-47ED-9057-0F33F5F3975B}"/>
+<ds:datastoreItem xmlns:ds="http://schemas.openxmlformats.org/officeDocument/2006/customXml" ds:itemID="{D6A3A8EC-A820-4F5A-85DA-02F99B6E8367}">
+  <ds:schemaRefs>
+    <ds:schemaRef ds:uri="http://schemas.microsoft.com/sharepoint/events"/>
+  </ds:schemaRefs>
+</ds:datastoreItem>
 </file>
 
 <file path=customXml/itemProps4.xml><?xml version="1.0" encoding="utf-8"?>
-<ds:datastoreItem xmlns:ds="http://schemas.openxmlformats.org/officeDocument/2006/customXml" ds:itemID="{04144EB7-9211-40F2-B5B6-CB3425CD4549}"/>
+<ds:datastoreItem xmlns:ds="http://schemas.openxmlformats.org/officeDocument/2006/customXml" ds:itemID="{04144EB7-9211-40F2-B5B6-CB3425CD4549}">
+  <ds:schemaRefs>
+    <ds:schemaRef ds:uri="http://purl.org/dc/terms/"/>
+    <ds:schemaRef ds:uri="http://schemas.openxmlformats.org/package/2006/metadata/core-properties"/>
+    <ds:schemaRef ds:uri="http://schemas.microsoft.com/office/2006/documentManagement/types"/>
+    <ds:schemaRef ds:uri="http://schemas.microsoft.com/office/infopath/2007/PartnerControls"/>
+    <ds:schemaRef ds:uri="http://purl.org/dc/elements/1.1/"/>
+    <ds:schemaRef ds:uri="http://schemas.microsoft.com/office/2006/metadata/properties"/>
+    <ds:schemaRef ds:uri="bcb7aec3-7c55-4f53-b860-67c1306cd9a6"/>
+    <ds:schemaRef ds:uri="http://www.w3.org/XML/1998/namespace"/>
+    <ds:schemaRef ds:uri="http://purl.org/dc/dcmitype/"/>
+  </ds:schemaRefs>
+</ds:datastoreItem>
 </file>